--- a/01.0 -- 配置环境 -- 第01章.pptx
+++ b/01.0 -- 配置环境 -- 第01章.pptx
@@ -11809,7 +11809,7 @@
         </p:blipFill>
         <p:spPr bwMode="auto">
           <a:xfrm>
-            <a:off x="1581150" y="3636963"/>
+            <a:off x="6705600" y="3546210"/>
             <a:ext cx="2438400" cy="1485900"/>
           </a:xfrm>
           <a:prstGeom prst="rect">
@@ -11869,7 +11869,7 @@
         </p:blipFill>
         <p:spPr bwMode="auto">
           <a:xfrm>
-            <a:off x="4743450" y="3687763"/>
+            <a:off x="4860021" y="3604948"/>
             <a:ext cx="2438400" cy="1368425"/>
           </a:xfrm>
           <a:prstGeom prst="rect">
@@ -11929,7 +11929,7 @@
         </p:blipFill>
         <p:spPr bwMode="auto">
           <a:xfrm>
-            <a:off x="107950" y="2851150"/>
+            <a:off x="4860021" y="769924"/>
             <a:ext cx="2438400" cy="1371600"/>
           </a:xfrm>
           <a:prstGeom prst="rect">
@@ -12049,7 +12049,7 @@
         </p:blipFill>
         <p:spPr bwMode="auto">
           <a:xfrm>
-            <a:off x="6949281" y="3100387"/>
+            <a:off x="7013576" y="2924921"/>
             <a:ext cx="1912937" cy="1049338"/>
           </a:xfrm>
           <a:prstGeom prst="rect">
@@ -12109,7 +12109,7 @@
         </p:blipFill>
         <p:spPr bwMode="auto">
           <a:xfrm>
-            <a:off x="3308350" y="2924175"/>
+            <a:off x="5144108" y="2644522"/>
             <a:ext cx="2043113" cy="1225550"/>
           </a:xfrm>
           <a:prstGeom prst="rect">
@@ -12142,62 +12142,32 @@
       </p:pic>
       <p:pic>
         <p:nvPicPr>
-          <p:cNvPr id="14349" name="图片 1" descr="k30seafxf4yb34xg!1200">
+          <p:cNvPr id="2" name="图片 1">
             <a:extLst>
               <a:ext uri="{FF2B5EF4-FFF2-40B4-BE49-F238E27FC236}">
-                <a16:creationId xmlns:a16="http://schemas.microsoft.com/office/drawing/2014/main" id="{261C78EE-FDE6-462E-B090-753BF4C95838}"/>
+                <a16:creationId xmlns:a16="http://schemas.microsoft.com/office/drawing/2014/main" id="{EB0BBA7D-26CE-4C0B-A504-FB4C491C5D4B}"/>
               </a:ext>
             </a:extLst>
           </p:cNvPr>
           <p:cNvPicPr>
-            <a:picLocks noChangeAspect="1" noChangeArrowheads="1"/>
+            <a:picLocks noChangeAspect="1"/>
           </p:cNvPicPr>
           <p:nvPr/>
         </p:nvPicPr>
         <p:blipFill>
-          <a:blip r:embed="rId11">
-            <a:extLst>
-              <a:ext uri="{28A0092B-C50C-407E-A947-70E740481C1C}">
-                <a14:useLocalDpi xmlns:a14="http://schemas.microsoft.com/office/drawing/2010/main" val="0"/>
-              </a:ext>
-            </a:extLst>
-          </a:blip>
-          <a:srcRect/>
+          <a:blip r:embed="rId11"/>
           <a:stretch>
             <a:fillRect/>
           </a:stretch>
         </p:blipFill>
-        <p:spPr bwMode="auto">
+        <p:spPr>
           <a:xfrm>
-            <a:off x="4572000" y="782130"/>
-            <a:ext cx="1250950" cy="833437"/>
+            <a:off x="772963" y="2710061"/>
+            <a:ext cx="2720795" cy="1789774"/>
           </a:xfrm>
           <a:prstGeom prst="rect">
             <a:avLst/>
           </a:prstGeom>
-          <a:noFill/>
-          <a:ln>
-            <a:noFill/>
-          </a:ln>
-          <a:extLst>
-            <a:ext uri="{909E8E84-426E-40DD-AFC4-6F175D3DCCD1}">
-              <a14:hiddenFill xmlns:a14="http://schemas.microsoft.com/office/drawing/2010/main">
-                <a:solidFill>
-                  <a:srgbClr val="FFFFFF"/>
-                </a:solidFill>
-              </a14:hiddenFill>
-            </a:ext>
-            <a:ext uri="{91240B29-F687-4F45-9708-019B960494DF}">
-              <a14:hiddenLine xmlns:a14="http://schemas.microsoft.com/office/drawing/2010/main" w="9525">
-                <a:solidFill>
-                  <a:srgbClr val="000000"/>
-                </a:solidFill>
-                <a:miter lim="800000"/>
-                <a:headEnd/>
-                <a:tailEnd/>
-              </a14:hiddenLine>
-            </a:ext>
-          </a:extLst>
         </p:spPr>
       </p:pic>
     </p:spTree>
@@ -12858,8 +12828,8 @@
         </p:nvSpPr>
         <p:spPr bwMode="auto">
           <a:xfrm>
-            <a:off x="871537" y="652462"/>
-            <a:ext cx="8135938" cy="5072607"/>
+            <a:off x="741631" y="987640"/>
+            <a:ext cx="7660738" cy="3681777"/>
           </a:xfrm>
           <a:prstGeom prst="rect">
             <a:avLst/>
@@ -12889,7 +12859,7 @@
           </a:extLst>
         </p:spPr>
         <p:txBody>
-          <a:bodyPr>
+          <a:bodyPr wrap="square">
             <a:spAutoFit/>
           </a:bodyPr>
           <a:lstStyle/>
@@ -13292,96 +13262,6 @@
               </a:rPr>
               <a:t>在Windows、Mac OS X和Linux平台上均可运行。</a:t>
             </a:r>
-          </a:p>
-          <a:p>
-            <a:pPr marL="171450" indent="-171450" fontAlgn="auto">
-              <a:lnSpc>
-                <a:spcPct val="125000"/>
-              </a:lnSpc>
-              <a:buFont typeface="Wingdings" panose="05000000000000000000" charset="0"/>
-              <a:buChar char="u"/>
-              <a:defRPr/>
-            </a:pPr>
-            <a:endParaRPr lang="zh-CN" altLang="en-US" sz="1200" noProof="1">
-              <a:sym typeface="+mn-ea"/>
-            </a:endParaRPr>
-          </a:p>
-          <a:p>
-            <a:pPr fontAlgn="auto">
-              <a:lnSpc>
-                <a:spcPct val="125000"/>
-              </a:lnSpc>
-              <a:buFont typeface="Wingdings" panose="05000000000000000000" charset="0"/>
-              <a:buNone/>
-              <a:defRPr/>
-            </a:pPr>
-            <a:r>
-              <a:rPr lang="zh-CN" altLang="en-US" sz="1200" noProof="1">
-                <a:latin typeface="+mn-lt"/>
-                <a:sym typeface="+mn-ea"/>
-              </a:rPr>
-              <a:t>（</a:t>
-            </a:r>
-            <a:r>
-              <a:rPr lang="en-US" altLang="zh-CN" sz="1200" noProof="1">
-                <a:latin typeface="+mn-lt"/>
-                <a:sym typeface="+mn-ea"/>
-              </a:rPr>
-              <a:t>IntelliJ IDEA，java语言开发的集成环境，在业界被公认为最好的java开发工具之一 </a:t>
-            </a:r>
-            <a:r>
-              <a:rPr lang="zh-CN" altLang="en-US" sz="1200" noProof="1">
-                <a:latin typeface="+mn-lt"/>
-                <a:sym typeface="+mn-ea"/>
-              </a:rPr>
-              <a:t>）</a:t>
-            </a:r>
-            <a:endParaRPr lang="zh-CN" altLang="en-US" sz="1200" noProof="1">
-              <a:sym typeface="+mn-ea"/>
-            </a:endParaRPr>
-          </a:p>
-          <a:p>
-            <a:pPr fontAlgn="auto">
-              <a:lnSpc>
-                <a:spcPct val="125000"/>
-              </a:lnSpc>
-              <a:defRPr/>
-            </a:pPr>
-            <a:endParaRPr lang="en-US" altLang="zh-CN" sz="1200" noProof="1">
-              <a:sym typeface="+mn-ea"/>
-            </a:endParaRPr>
-          </a:p>
-          <a:p>
-            <a:pPr fontAlgn="auto">
-              <a:lnSpc>
-                <a:spcPct val="125000"/>
-              </a:lnSpc>
-              <a:defRPr/>
-            </a:pPr>
-            <a:endParaRPr lang="en-US" altLang="zh-CN" sz="1200" noProof="1">
-              <a:sym typeface="+mn-ea"/>
-            </a:endParaRPr>
-          </a:p>
-          <a:p>
-            <a:pPr fontAlgn="auto">
-              <a:lnSpc>
-                <a:spcPct val="125000"/>
-              </a:lnSpc>
-              <a:defRPr/>
-            </a:pPr>
-            <a:endParaRPr lang="en-US" altLang="zh-CN" sz="1200" noProof="1">
-              <a:sym typeface="+mn-ea"/>
-            </a:endParaRPr>
-          </a:p>
-          <a:p>
-            <a:pPr fontAlgn="auto">
-              <a:lnSpc>
-                <a:spcPct val="125000"/>
-              </a:lnSpc>
-              <a:buFont typeface="Arial" panose="020B0604020202020204" pitchFamily="34" charset="0"/>
-              <a:buChar char="Ø"/>
-              <a:defRPr/>
-            </a:pPr>
             <a:endParaRPr lang="zh-CN" altLang="en-US" sz="1200" noProof="1">
               <a:latin typeface="微软雅黑" panose="020B0503020204020204" pitchFamily="34" charset="-122"/>
               <a:ea typeface="微软雅黑" panose="020B0503020204020204" pitchFamily="34" charset="-122"/>
@@ -13609,7 +13489,7 @@
         </p:blipFill>
         <p:spPr>
           <a:xfrm>
-            <a:off x="6444130" y="3795835"/>
+            <a:off x="5508065" y="2828528"/>
             <a:ext cx="2540959" cy="1008070"/>
           </a:xfrm>
           <a:prstGeom prst="rect">

--- a/01.0 -- 配置环境 -- 第01章.pptx
+++ b/01.0 -- 配置环境 -- 第01章.pptx
@@ -5,7 +5,7 @@
     <p:sldMasterId id="2147483695" r:id="rId1"/>
   </p:sldMasterIdLst>
   <p:notesMasterIdLst>
-    <p:notesMasterId r:id="rId14"/>
+    <p:notesMasterId r:id="rId13"/>
   </p:notesMasterIdLst>
   <p:sldIdLst>
     <p:sldId id="293" r:id="rId2"/>
@@ -17,9 +17,8 @@
     <p:sldId id="466" r:id="rId8"/>
     <p:sldId id="467" r:id="rId9"/>
     <p:sldId id="468" r:id="rId10"/>
-    <p:sldId id="469" r:id="rId11"/>
-    <p:sldId id="470" r:id="rId12"/>
-    <p:sldId id="294" r:id="rId13"/>
+    <p:sldId id="470" r:id="rId11"/>
+    <p:sldId id="294" r:id="rId12"/>
   </p:sldIdLst>
   <p:sldSz cx="9144000" cy="5143500" type="screen16x9"/>
   <p:notesSz cx="6858000" cy="9144000"/>
@@ -772,133 +771,6 @@
       </p:grpSpPr>
       <p:sp>
         <p:nvSpPr>
-          <p:cNvPr id="27649" name="幻灯片图像占位符 1">
-            <a:extLst>
-              <a:ext uri="{FF2B5EF4-FFF2-40B4-BE49-F238E27FC236}">
-                <a16:creationId xmlns:a16="http://schemas.microsoft.com/office/drawing/2014/main" id="{6DB2A3AB-032B-4211-8D31-F8D6A73E5B00}"/>
-              </a:ext>
-            </a:extLst>
-          </p:cNvPr>
-          <p:cNvSpPr>
-            <a:spLocks noGrp="1" noRot="1" noChangeAspect="1" noChangeArrowheads="1" noTextEdit="1"/>
-          </p:cNvSpPr>
-          <p:nvPr>
-            <p:ph type="sldImg" idx="4294967295"/>
-          </p:nvPr>
-        </p:nvSpPr>
-        <p:spPr>
-          <a:ln>
-            <a:miter lim="800000"/>
-          </a:ln>
-        </p:spPr>
-      </p:sp>
-      <p:sp>
-        <p:nvSpPr>
-          <p:cNvPr id="27650" name="备注占位符 2">
-            <a:extLst>
-              <a:ext uri="{FF2B5EF4-FFF2-40B4-BE49-F238E27FC236}">
-                <a16:creationId xmlns:a16="http://schemas.microsoft.com/office/drawing/2014/main" id="{5EE412BD-8B9C-4B63-B783-77490C147218}"/>
-              </a:ext>
-            </a:extLst>
-          </p:cNvPr>
-          <p:cNvSpPr>
-            <a:spLocks noGrp="1" noChangeArrowheads="1"/>
-          </p:cNvSpPr>
-          <p:nvPr>
-            <p:ph type="body" idx="4294967295"/>
-          </p:nvPr>
-        </p:nvSpPr>
-        <p:spPr/>
-        <p:txBody>
-          <a:bodyPr>
-            <a:prstTxWarp prst="textNoShape">
-              <a:avLst/>
-            </a:prstTxWarp>
-          </a:bodyPr>
-          <a:lstStyle/>
-          <a:p>
-            <a:endParaRPr lang="zh-CN" altLang="en-US"/>
-          </a:p>
-        </p:txBody>
-      </p:sp>
-      <p:sp>
-        <p:nvSpPr>
-          <p:cNvPr id="27651" name="灯片编号占位符 3">
-            <a:extLst>
-              <a:ext uri="{FF2B5EF4-FFF2-40B4-BE49-F238E27FC236}">
-                <a16:creationId xmlns:a16="http://schemas.microsoft.com/office/drawing/2014/main" id="{2C889157-6DB2-413F-8C1F-2BCFC21D65FA}"/>
-              </a:ext>
-            </a:extLst>
-          </p:cNvPr>
-          <p:cNvSpPr>
-            <a:spLocks noGrp="1" noChangeArrowheads="1"/>
-          </p:cNvSpPr>
-          <p:nvPr>
-            <p:ph type="sldNum" sz="quarter" idx="5"/>
-          </p:nvPr>
-        </p:nvSpPr>
-        <p:spPr bwMode="auto">
-          <a:noFill/>
-          <a:extLst>
-            <a:ext uri="{909E8E84-426E-40DD-AFC4-6F175D3DCCD1}">
-              <a14:hiddenFill xmlns:a14="http://schemas.microsoft.com/office/drawing/2010/main">
-                <a:solidFill>
-                  <a:srgbClr val="FFFFFF"/>
-                </a:solidFill>
-              </a14:hiddenFill>
-            </a:ext>
-            <a:ext uri="{91240B29-F687-4F45-9708-019B960494DF}">
-              <a14:hiddenLine xmlns:a14="http://schemas.microsoft.com/office/drawing/2010/main" w="9525">
-                <a:solidFill>
-                  <a:srgbClr val="000000"/>
-                </a:solidFill>
-                <a:miter lim="800000"/>
-                <a:headEnd/>
-                <a:tailEnd/>
-              </a14:hiddenLine>
-            </a:ext>
-          </a:extLst>
-        </p:spPr>
-        <p:txBody>
-          <a:bodyPr/>
-          <a:lstStyle/>
-          <a:p>
-            <a:fld id="{F5ED4270-46EC-4C00-B469-A97586527240}" type="slidenum">
-              <a:rPr altLang="en-US" noProof="1"/>
-              <a:pPr/>
-              <a:t>10</a:t>
-            </a:fld>
-            <a:endParaRPr lang="zh-CN" altLang="en-US" noProof="1"/>
-          </a:p>
-        </p:txBody>
-      </p:sp>
-    </p:spTree>
-  </p:cSld>
-  <p:clrMapOvr>
-    <a:masterClrMapping/>
-  </p:clrMapOvr>
-</p:notes>
-</file>
-
-<file path=ppt/notesSlides/notesSlide11.xml><?xml version="1.0" encoding="utf-8"?>
-<p:notes xmlns:a="http://schemas.openxmlformats.org/drawingml/2006/main" xmlns:r="http://schemas.openxmlformats.org/officeDocument/2006/relationships" xmlns:p="http://schemas.openxmlformats.org/presentationml/2006/main">
-  <p:cSld>
-    <p:spTree>
-      <p:nvGrpSpPr>
-        <p:cNvPr id="1" name=""/>
-        <p:cNvGrpSpPr/>
-        <p:nvPr/>
-      </p:nvGrpSpPr>
-      <p:grpSpPr>
-        <a:xfrm>
-          <a:off x="0" y="0"/>
-          <a:ext cx="0" cy="0"/>
-          <a:chOff x="0" y="0"/>
-          <a:chExt cx="0" cy="0"/>
-        </a:xfrm>
-      </p:grpSpPr>
-      <p:sp>
-        <p:nvSpPr>
           <p:cNvPr id="29697" name="幻灯片图像占位符 1">
             <a:extLst>
               <a:ext uri="{FF2B5EF4-FFF2-40B4-BE49-F238E27FC236}">
@@ -993,7 +865,7 @@
             <a:fld id="{4DC37CB0-2DED-4758-AC80-6813803E22A0}" type="slidenum">
               <a:rPr altLang="en-US" noProof="1"/>
               <a:pPr/>
-              <a:t>11</a:t>
+              <a:t>10</a:t>
             </a:fld>
             <a:endParaRPr lang="zh-CN" altLang="en-US" noProof="1"/>
           </a:p>
@@ -1007,7 +879,7 @@
 </p:notes>
 </file>
 
-<file path=ppt/notesSlides/notesSlide12.xml><?xml version="1.0" encoding="utf-8"?>
+<file path=ppt/notesSlides/notesSlide11.xml><?xml version="1.0" encoding="utf-8"?>
 <p:notes xmlns:a="http://schemas.openxmlformats.org/drawingml/2006/main" xmlns:r="http://schemas.openxmlformats.org/officeDocument/2006/relationships" xmlns:p="http://schemas.openxmlformats.org/presentationml/2006/main">
   <p:cSld>
     <p:spTree>
@@ -1120,7 +992,7 @@
             <a:fld id="{C1DD2168-CC17-4E4B-A474-79A567B0ACBA}" type="slidenum">
               <a:rPr altLang="en-US" noProof="1"/>
               <a:pPr/>
-              <a:t>12</a:t>
+              <a:t>11</a:t>
             </a:fld>
             <a:endParaRPr lang="zh-CN" altLang="en-US" noProof="1"/>
           </a:p>
@@ -8285,555 +8157,6 @@
           <p:cNvPr id="18" name="矩形 17">
             <a:extLst>
               <a:ext uri="{FF2B5EF4-FFF2-40B4-BE49-F238E27FC236}">
-                <a16:creationId xmlns:a16="http://schemas.microsoft.com/office/drawing/2014/main" id="{970687FD-C757-4B58-8227-63E614F1F686}"/>
-              </a:ext>
-            </a:extLst>
-          </p:cNvPr>
-          <p:cNvSpPr>
-            <a:spLocks noChangeArrowheads="1"/>
-          </p:cNvSpPr>
-          <p:nvPr/>
-        </p:nvSpPr>
-        <p:spPr bwMode="auto">
-          <a:xfrm>
-            <a:off x="871538" y="652463"/>
-            <a:ext cx="7494587" cy="4222750"/>
-          </a:xfrm>
-          <a:prstGeom prst="rect">
-            <a:avLst/>
-          </a:prstGeom>
-          <a:noFill/>
-          <a:ln>
-            <a:noFill/>
-          </a:ln>
-          <a:extLst>
-            <a:ext uri="{909E8E84-426E-40DD-AFC4-6F175D3DCCD1}">
-              <a14:hiddenFill xmlns:a14="http://schemas.microsoft.com/office/drawing/2010/main">
-                <a:solidFill>
-                  <a:srgbClr val="FFFFFF"/>
-                </a:solidFill>
-              </a14:hiddenFill>
-            </a:ext>
-            <a:ext uri="{91240B29-F687-4F45-9708-019B960494DF}">
-              <a14:hiddenLine xmlns:a14="http://schemas.microsoft.com/office/drawing/2010/main" w="9525">
-                <a:solidFill>
-                  <a:srgbClr val="000000"/>
-                </a:solidFill>
-                <a:miter lim="800000"/>
-                <a:headEnd/>
-                <a:tailEnd/>
-              </a14:hiddenLine>
-            </a:ext>
-          </a:extLst>
-        </p:spPr>
-        <p:txBody>
-          <a:bodyPr>
-            <a:spAutoFit/>
-          </a:bodyPr>
-          <a:lstStyle/>
-          <a:p>
-            <a:pPr marL="285750" indent="-285750" fontAlgn="auto">
-              <a:lnSpc>
-                <a:spcPct val="125000"/>
-              </a:lnSpc>
-              <a:buFont typeface="Wingdings" panose="05000000000000000000" charset="0"/>
-              <a:buChar char="u"/>
-              <a:defRPr/>
-            </a:pPr>
-            <a:r>
-              <a:rPr lang="en-US" altLang="zh-CN" sz="1400" noProof="1">
-                <a:latin typeface="+mn-lt"/>
-                <a:sym typeface="+mn-ea"/>
-              </a:rPr>
-              <a:t> 也可以点击</a:t>
-            </a:r>
-            <a:r>
-              <a:rPr lang="zh-CN" altLang="en-US" sz="1400" noProof="1">
-                <a:latin typeface="+mn-lt"/>
-                <a:sym typeface="+mn-ea"/>
-              </a:rPr>
-              <a:t>上</a:t>
-            </a:r>
-            <a:r>
-              <a:rPr lang="en-US" altLang="zh-CN" sz="1400" noProof="1">
-                <a:latin typeface="+mn-lt"/>
-                <a:sym typeface="+mn-ea"/>
-              </a:rPr>
-              <a:t>图中Launch Standalone SDK Manager选项，打开Android SDK Manager进行编辑，如图所示。注意此过程需要连接</a:t>
-            </a:r>
-            <a:r>
-              <a:rPr lang="en-US" altLang="zh-CN" sz="1400" b="1" noProof="1">
-                <a:solidFill>
-                  <a:srgbClr val="00B050"/>
-                </a:solidFill>
-                <a:latin typeface="+mn-lt"/>
-                <a:sym typeface="+mn-ea"/>
-              </a:rPr>
-              <a:t>谷歌服务器</a:t>
-            </a:r>
-            <a:r>
-              <a:rPr lang="en-US" altLang="zh-CN" sz="1400" noProof="1">
-                <a:latin typeface="+mn-lt"/>
-                <a:sym typeface="+mn-ea"/>
-              </a:rPr>
-              <a:t>，应保证网络正常连接。</a:t>
-            </a:r>
-            <a:endParaRPr lang="en-US" altLang="zh-CN" sz="1400" noProof="1">
-              <a:sym typeface="+mn-ea"/>
-            </a:endParaRPr>
-          </a:p>
-          <a:p>
-            <a:pPr fontAlgn="auto">
-              <a:lnSpc>
-                <a:spcPct val="125000"/>
-              </a:lnSpc>
-              <a:defRPr/>
-            </a:pPr>
-            <a:endParaRPr lang="en-US" altLang="zh-CN" sz="1400" noProof="1">
-              <a:sym typeface="+mn-ea"/>
-            </a:endParaRPr>
-          </a:p>
-          <a:p>
-            <a:pPr fontAlgn="auto">
-              <a:defRPr/>
-            </a:pPr>
-            <a:endParaRPr lang="en-US" altLang="en-US" sz="1200" noProof="1">
-              <a:sym typeface="+mn-ea"/>
-            </a:endParaRPr>
-          </a:p>
-          <a:p>
-            <a:pPr fontAlgn="auto">
-              <a:defRPr/>
-            </a:pPr>
-            <a:endParaRPr lang="en-US" altLang="zh-CN" sz="1200" noProof="1">
-              <a:sym typeface="+mn-ea"/>
-            </a:endParaRPr>
-          </a:p>
-          <a:p>
-            <a:pPr fontAlgn="auto">
-              <a:defRPr/>
-            </a:pPr>
-            <a:endParaRPr lang="en-US" altLang="zh-CN" sz="1200" noProof="1">
-              <a:sym typeface="+mn-ea"/>
-            </a:endParaRPr>
-          </a:p>
-          <a:p>
-            <a:pPr fontAlgn="auto">
-              <a:defRPr/>
-            </a:pPr>
-            <a:endParaRPr lang="en-US" altLang="zh-CN" sz="1200" noProof="1">
-              <a:sym typeface="+mn-ea"/>
-            </a:endParaRPr>
-          </a:p>
-          <a:p>
-            <a:pPr fontAlgn="auto">
-              <a:defRPr/>
-            </a:pPr>
-            <a:endParaRPr lang="en-US" altLang="zh-CN" sz="1200" noProof="1">
-              <a:sym typeface="+mn-ea"/>
-            </a:endParaRPr>
-          </a:p>
-          <a:p>
-            <a:pPr fontAlgn="auto">
-              <a:defRPr/>
-            </a:pPr>
-            <a:endParaRPr lang="en-US" altLang="zh-CN" sz="1200" noProof="1">
-              <a:sym typeface="+mn-ea"/>
-            </a:endParaRPr>
-          </a:p>
-          <a:p>
-            <a:pPr fontAlgn="auto">
-              <a:defRPr/>
-            </a:pPr>
-            <a:endParaRPr lang="en-US" altLang="zh-CN" sz="1200" noProof="1">
-              <a:sym typeface="+mn-ea"/>
-            </a:endParaRPr>
-          </a:p>
-          <a:p>
-            <a:pPr fontAlgn="auto">
-              <a:defRPr/>
-            </a:pPr>
-            <a:endParaRPr lang="en-US" altLang="zh-CN" sz="1200" noProof="1">
-              <a:sym typeface="+mn-ea"/>
-            </a:endParaRPr>
-          </a:p>
-          <a:p>
-            <a:pPr fontAlgn="auto">
-              <a:defRPr/>
-            </a:pPr>
-            <a:endParaRPr lang="en-US" altLang="zh-CN" sz="1200" noProof="1">
-              <a:sym typeface="+mn-ea"/>
-            </a:endParaRPr>
-          </a:p>
-          <a:p>
-            <a:pPr fontAlgn="auto">
-              <a:defRPr/>
-            </a:pPr>
-            <a:endParaRPr lang="en-US" altLang="zh-CN" sz="1200" noProof="1">
-              <a:sym typeface="+mn-ea"/>
-            </a:endParaRPr>
-          </a:p>
-          <a:p>
-            <a:pPr fontAlgn="auto">
-              <a:defRPr/>
-            </a:pPr>
-            <a:endParaRPr lang="en-US" altLang="zh-CN" sz="1200" noProof="1">
-              <a:sym typeface="+mn-ea"/>
-            </a:endParaRPr>
-          </a:p>
-          <a:p>
-            <a:pPr fontAlgn="auto">
-              <a:defRPr/>
-            </a:pPr>
-            <a:endParaRPr lang="en-US" altLang="zh-CN" sz="1200" noProof="1">
-              <a:sym typeface="+mn-ea"/>
-            </a:endParaRPr>
-          </a:p>
-          <a:p>
-            <a:pPr fontAlgn="auto">
-              <a:defRPr/>
-            </a:pPr>
-            <a:endParaRPr lang="en-US" altLang="zh-CN" sz="1200" noProof="1">
-              <a:sym typeface="+mn-ea"/>
-            </a:endParaRPr>
-          </a:p>
-          <a:p>
-            <a:pPr fontAlgn="auto">
-              <a:defRPr/>
-            </a:pPr>
-            <a:endParaRPr lang="en-US" altLang="zh-CN" sz="1200" noProof="1">
-              <a:sym typeface="+mn-ea"/>
-            </a:endParaRPr>
-          </a:p>
-          <a:p>
-            <a:pPr fontAlgn="auto">
-              <a:defRPr/>
-            </a:pPr>
-            <a:endParaRPr lang="en-US" altLang="zh-CN" sz="1200" noProof="1">
-              <a:sym typeface="+mn-ea"/>
-            </a:endParaRPr>
-          </a:p>
-          <a:p>
-            <a:pPr fontAlgn="auto">
-              <a:defRPr/>
-            </a:pPr>
-            <a:endParaRPr lang="en-US" altLang="zh-CN" sz="1200" noProof="1">
-              <a:sym typeface="+mn-ea"/>
-            </a:endParaRPr>
-          </a:p>
-          <a:p>
-            <a:pPr fontAlgn="auto">
-              <a:defRPr/>
-            </a:pPr>
-            <a:endParaRPr lang="en-US" altLang="zh-CN" sz="1200" noProof="1">
-              <a:sym typeface="+mn-ea"/>
-            </a:endParaRPr>
-          </a:p>
-          <a:p>
-            <a:pPr fontAlgn="auto">
-              <a:defRPr/>
-            </a:pPr>
-            <a:endParaRPr lang="zh-CN" altLang="en-US" sz="1200" noProof="1">
-              <a:latin typeface="微软雅黑" panose="020B0503020204020204" pitchFamily="34" charset="-122"/>
-              <a:ea typeface="微软雅黑" panose="020B0503020204020204" pitchFamily="34" charset="-122"/>
-              <a:sym typeface="+mn-ea"/>
-            </a:endParaRPr>
-          </a:p>
-        </p:txBody>
-      </p:sp>
-      <p:sp>
-        <p:nvSpPr>
-          <p:cNvPr id="26626" name="TextBox 108">
-            <a:extLst>
-              <a:ext uri="{FF2B5EF4-FFF2-40B4-BE49-F238E27FC236}">
-                <a16:creationId xmlns:a16="http://schemas.microsoft.com/office/drawing/2014/main" id="{D0BF71EF-0500-4D93-A606-FD37FFB9944F}"/>
-              </a:ext>
-            </a:extLst>
-          </p:cNvPr>
-          <p:cNvSpPr txBox="1">
-            <a:spLocks noChangeArrowheads="1"/>
-          </p:cNvSpPr>
-          <p:nvPr/>
-        </p:nvSpPr>
-        <p:spPr bwMode="auto">
-          <a:xfrm>
-            <a:off x="539750" y="268288"/>
-            <a:ext cx="1671638" cy="384175"/>
-          </a:xfrm>
-          <a:prstGeom prst="rect">
-            <a:avLst/>
-          </a:prstGeom>
-          <a:noFill/>
-          <a:ln>
-            <a:noFill/>
-          </a:ln>
-          <a:extLst>
-            <a:ext uri="{909E8E84-426E-40DD-AFC4-6F175D3DCCD1}">
-              <a14:hiddenFill xmlns:a14="http://schemas.microsoft.com/office/drawing/2010/main">
-                <a:solidFill>
-                  <a:srgbClr val="FFFFFF"/>
-                </a:solidFill>
-              </a14:hiddenFill>
-            </a:ext>
-            <a:ext uri="{91240B29-F687-4F45-9708-019B960494DF}">
-              <a14:hiddenLine xmlns:a14="http://schemas.microsoft.com/office/drawing/2010/main" w="9525">
-                <a:solidFill>
-                  <a:srgbClr val="000000"/>
-                </a:solidFill>
-                <a:miter lim="800000"/>
-                <a:headEnd/>
-                <a:tailEnd/>
-              </a14:hiddenLine>
-            </a:ext>
-          </a:extLst>
-        </p:spPr>
-        <p:txBody>
-          <a:bodyPr wrap="none">
-            <a:spAutoFit/>
-          </a:bodyPr>
-          <a:lstStyle/>
-          <a:p>
-            <a:r>
-              <a:rPr lang="en-US" altLang="zh-CN">
-                <a:solidFill>
-                  <a:schemeClr val="bg1"/>
-                </a:solidFill>
-                <a:latin typeface="微软雅黑" panose="020B0503020204020204" pitchFamily="34" charset="-122"/>
-                <a:ea typeface="微软雅黑" panose="020B0503020204020204" pitchFamily="34" charset="-122"/>
-                <a:sym typeface="宋体" panose="02010600030101010101" pitchFamily="2" charset="-122"/>
-              </a:rPr>
-              <a:t>1.2.3 安装SDK</a:t>
-            </a:r>
-          </a:p>
-        </p:txBody>
-      </p:sp>
-      <p:grpSp>
-        <p:nvGrpSpPr>
-          <p:cNvPr id="26627" name="组合 29">
-            <a:extLst>
-              <a:ext uri="{FF2B5EF4-FFF2-40B4-BE49-F238E27FC236}">
-                <a16:creationId xmlns:a16="http://schemas.microsoft.com/office/drawing/2014/main" id="{9EA43DB2-5F15-49D2-B84D-F4F27C11F8C6}"/>
-              </a:ext>
-            </a:extLst>
-          </p:cNvPr>
-          <p:cNvGrpSpPr>
-            <a:grpSpLocks/>
-          </p:cNvGrpSpPr>
-          <p:nvPr/>
-        </p:nvGrpSpPr>
-        <p:grpSpPr bwMode="auto">
-          <a:xfrm>
-            <a:off x="107950" y="244475"/>
-            <a:ext cx="360363" cy="360363"/>
-            <a:chOff x="1965186" y="1419622"/>
-            <a:chExt cx="302558" cy="314067"/>
-          </a:xfrm>
-        </p:grpSpPr>
-        <p:sp>
-          <p:nvSpPr>
-            <p:cNvPr id="31" name="矩形 30">
-              <a:extLst>
-                <a:ext uri="{FF2B5EF4-FFF2-40B4-BE49-F238E27FC236}">
-                  <a16:creationId xmlns:a16="http://schemas.microsoft.com/office/drawing/2014/main" id="{BF6F0402-5FE6-4081-A423-34297B3985CD}"/>
-                </a:ext>
-              </a:extLst>
-            </p:cNvPr>
-            <p:cNvSpPr/>
-            <p:nvPr/>
-          </p:nvSpPr>
-          <p:spPr>
-            <a:xfrm>
-              <a:off x="1965186" y="1419622"/>
-              <a:ext cx="251910" cy="251807"/>
-            </a:xfrm>
-            <a:prstGeom prst="rect">
-              <a:avLst/>
-            </a:prstGeom>
-            <a:solidFill>
-              <a:srgbClr val="414455"/>
-            </a:solidFill>
-            <a:ln>
-              <a:noFill/>
-            </a:ln>
-          </p:spPr>
-          <p:style>
-            <a:lnRef idx="2">
-              <a:schemeClr val="accent1">
-                <a:shade val="50000"/>
-              </a:schemeClr>
-            </a:lnRef>
-            <a:fillRef idx="1">
-              <a:schemeClr val="accent1"/>
-            </a:fillRef>
-            <a:effectRef idx="0">
-              <a:schemeClr val="accent1"/>
-            </a:effectRef>
-            <a:fontRef idx="minor">
-              <a:schemeClr val="lt1"/>
-            </a:fontRef>
-          </p:style>
-          <p:txBody>
-            <a:bodyPr anchor="ctr"/>
-            <a:lstStyle/>
-            <a:p>
-              <a:pPr algn="ctr" fontAlgn="auto">
-                <a:defRPr/>
-              </a:pPr>
-              <a:endParaRPr lang="zh-CN" altLang="en-US" noProof="1"/>
-            </a:p>
-          </p:txBody>
-        </p:sp>
-        <p:sp>
-          <p:nvSpPr>
-            <p:cNvPr id="32" name="矩形 31">
-              <a:extLst>
-                <a:ext uri="{FF2B5EF4-FFF2-40B4-BE49-F238E27FC236}">
-                  <a16:creationId xmlns:a16="http://schemas.microsoft.com/office/drawing/2014/main" id="{ED267B0D-57CC-4D38-A9BD-F66AD26B4CF9}"/>
-                </a:ext>
-              </a:extLst>
-            </p:cNvPr>
-            <p:cNvSpPr/>
-            <p:nvPr/>
-          </p:nvSpPr>
-          <p:spPr>
-            <a:xfrm>
-              <a:off x="2087808" y="1553827"/>
-              <a:ext cx="179936" cy="179862"/>
-            </a:xfrm>
-            <a:prstGeom prst="rect">
-              <a:avLst/>
-            </a:prstGeom>
-            <a:solidFill>
-              <a:srgbClr val="0E90BE"/>
-            </a:solidFill>
-            <a:ln>
-              <a:noFill/>
-            </a:ln>
-          </p:spPr>
-          <p:style>
-            <a:lnRef idx="2">
-              <a:schemeClr val="accent1">
-                <a:shade val="50000"/>
-              </a:schemeClr>
-            </a:lnRef>
-            <a:fillRef idx="1">
-              <a:schemeClr val="accent1"/>
-            </a:fillRef>
-            <a:effectRef idx="0">
-              <a:schemeClr val="accent1"/>
-            </a:effectRef>
-            <a:fontRef idx="minor">
-              <a:schemeClr val="lt1"/>
-            </a:fontRef>
-          </p:style>
-          <p:txBody>
-            <a:bodyPr anchor="ctr"/>
-            <a:lstStyle/>
-            <a:p>
-              <a:pPr algn="ctr" fontAlgn="auto">
-                <a:defRPr/>
-              </a:pPr>
-              <a:endParaRPr lang="zh-CN" altLang="en-US" noProof="1"/>
-            </a:p>
-          </p:txBody>
-        </p:sp>
-      </p:grpSp>
-      <p:pic>
-        <p:nvPicPr>
-          <p:cNvPr id="26630" name="图片 252">
-            <a:extLst>
-              <a:ext uri="{FF2B5EF4-FFF2-40B4-BE49-F238E27FC236}">
-                <a16:creationId xmlns:a16="http://schemas.microsoft.com/office/drawing/2014/main" id="{4DCE8151-6E25-4691-BC45-3DE4F2BC51C1}"/>
-              </a:ext>
-            </a:extLst>
-          </p:cNvPr>
-          <p:cNvPicPr>
-            <a:picLocks noChangeAspect="1" noChangeArrowheads="1"/>
-          </p:cNvPicPr>
-          <p:nvPr/>
-        </p:nvPicPr>
-        <p:blipFill>
-          <a:blip r:embed="rId4">
-            <a:extLst>
-              <a:ext uri="{28A0092B-C50C-407E-A947-70E740481C1C}">
-                <a14:useLocalDpi xmlns:a14="http://schemas.microsoft.com/office/drawing/2010/main" val="0"/>
-              </a:ext>
-            </a:extLst>
-          </a:blip>
-          <a:srcRect l="2061" t="819" r="2254" b="2199"/>
-          <a:stretch>
-            <a:fillRect/>
-          </a:stretch>
-        </p:blipFill>
-        <p:spPr bwMode="auto">
-          <a:xfrm>
-            <a:off x="1866900" y="1290638"/>
-            <a:ext cx="5408613" cy="3544887"/>
-          </a:xfrm>
-          <a:prstGeom prst="rect">
-            <a:avLst/>
-          </a:prstGeom>
-          <a:noFill/>
-          <a:ln>
-            <a:noFill/>
-          </a:ln>
-          <a:extLst>
-            <a:ext uri="{909E8E84-426E-40DD-AFC4-6F175D3DCCD1}">
-              <a14:hiddenFill xmlns:a14="http://schemas.microsoft.com/office/drawing/2010/main">
-                <a:solidFill>
-                  <a:srgbClr val="FFFFFF"/>
-                </a:solidFill>
-              </a14:hiddenFill>
-            </a:ext>
-            <a:ext uri="{91240B29-F687-4F45-9708-019B960494DF}">
-              <a14:hiddenLine xmlns:a14="http://schemas.microsoft.com/office/drawing/2010/main" w="9525">
-                <a:solidFill>
-                  <a:srgbClr val="000000"/>
-                </a:solidFill>
-                <a:miter lim="800000"/>
-                <a:headEnd/>
-                <a:tailEnd/>
-              </a14:hiddenLine>
-            </a:ext>
-          </a:extLst>
-        </p:spPr>
-      </p:pic>
-    </p:spTree>
-    <p:custDataLst>
-      <p:tags r:id="rId1"/>
-    </p:custDataLst>
-  </p:cSld>
-  <p:clrMapOvr>
-    <a:masterClrMapping/>
-  </p:clrMapOvr>
-  <p:transition spd="slow" advTm="0">
-    <p:wipe/>
-  </p:transition>
-</p:sld>
-</file>
-
-<file path=ppt/slides/slide11.xml><?xml version="1.0" encoding="utf-8"?>
-<p:sld xmlns:a="http://schemas.openxmlformats.org/drawingml/2006/main" xmlns:r="http://schemas.openxmlformats.org/officeDocument/2006/relationships" xmlns:p="http://schemas.openxmlformats.org/presentationml/2006/main">
-  <p:cSld>
-    <p:spTree>
-      <p:nvGrpSpPr>
-        <p:cNvPr id="1" name=""/>
-        <p:cNvGrpSpPr/>
-        <p:nvPr/>
-      </p:nvGrpSpPr>
-      <p:grpSpPr>
-        <a:xfrm>
-          <a:off x="0" y="0"/>
-          <a:ext cx="0" cy="0"/>
-          <a:chOff x="0" y="0"/>
-          <a:chExt cx="0" cy="0"/>
-        </a:xfrm>
-      </p:grpSpPr>
-      <p:sp>
-        <p:nvSpPr>
-          <p:cNvPr id="18" name="矩形 17">
-            <a:extLst>
-              <a:ext uri="{FF2B5EF4-FFF2-40B4-BE49-F238E27FC236}">
                 <a16:creationId xmlns:a16="http://schemas.microsoft.com/office/drawing/2014/main" id="{CB9BD6D4-751D-438F-B622-D56398344003}"/>
               </a:ext>
             </a:extLst>
@@ -9257,7 +8580,7 @@
 </p:sld>
 </file>
 
-<file path=ppt/slides/slide12.xml><?xml version="1.0" encoding="utf-8"?>
+<file path=ppt/slides/slide11.xml><?xml version="1.0" encoding="utf-8"?>
 <p:sld xmlns:a="http://schemas.openxmlformats.org/drawingml/2006/main" xmlns:r="http://schemas.openxmlformats.org/officeDocument/2006/relationships" xmlns:p="http://schemas.openxmlformats.org/presentationml/2006/main">
   <p:cSld>
     <p:spTree>
@@ -13773,6 +13096,22 @@
               <a:t>官网下载</a:t>
             </a:r>
             <a:r>
+              <a:rPr lang="en-US" altLang="zh-CN" b="1" noProof="1">
+                <a:gradFill>
+                  <a:gsLst>
+                    <a:gs pos="0">
+                      <a:srgbClr val="007BD3"/>
+                    </a:gs>
+                    <a:gs pos="100000">
+                      <a:srgbClr val="034373"/>
+                    </a:gs>
+                  </a:gsLst>
+                  <a:lin scaled="0"/>
+                </a:gradFill>
+              </a:rPr>
+              <a:t> </a:t>
+            </a:r>
+            <a:r>
               <a:rPr b="1" noProof="1">
                 <a:gradFill>
                   <a:gsLst>
@@ -14473,8 +13812,8 @@
         </p:nvSpPr>
         <p:spPr bwMode="auto">
           <a:xfrm>
-            <a:off x="871538" y="652463"/>
-            <a:ext cx="7494587" cy="2206625"/>
+            <a:off x="899745" y="592597"/>
+            <a:ext cx="7494587" cy="338234"/>
           </a:xfrm>
           <a:prstGeom prst="rect">
             <a:avLst/>
@@ -14515,79 +13854,18 @@
               </a:lnSpc>
             </a:pPr>
             <a:r>
-              <a:rPr lang="en-US" altLang="en-US" sz="1400"/>
-              <a:t>打开SDK Manger，会显示出本机当前安装的所有Android版本。</a:t>
-            </a:r>
-          </a:p>
-          <a:p>
-            <a:pPr>
-              <a:lnSpc>
-                <a:spcPct val="125000"/>
-              </a:lnSpc>
-            </a:pPr>
-            <a:r>
-              <a:rPr lang="en-US" altLang="zh-CN" sz="1200">
-                <a:sym typeface="宋体" panose="02010600030101010101" pitchFamily="2" charset="-122"/>
-              </a:rPr>
-              <a:t>      </a:t>
-            </a:r>
-            <a:endParaRPr lang="en-US" altLang="zh-CN" sz="1200"/>
-          </a:p>
-          <a:p>
-            <a:pPr>
-              <a:lnSpc>
-                <a:spcPct val="125000"/>
-              </a:lnSpc>
-            </a:pPr>
-            <a:endParaRPr lang="en-US" altLang="zh-CN" sz="1200"/>
-          </a:p>
-          <a:p>
-            <a:pPr>
-              <a:lnSpc>
-                <a:spcPct val="125000"/>
-              </a:lnSpc>
-            </a:pPr>
-            <a:endParaRPr lang="en-US" altLang="zh-CN" sz="1200"/>
-          </a:p>
-          <a:p>
-            <a:pPr>
-              <a:lnSpc>
-                <a:spcPct val="125000"/>
-              </a:lnSpc>
-            </a:pPr>
-            <a:endParaRPr lang="en-US" altLang="zh-CN" sz="1200"/>
-          </a:p>
-          <a:p>
-            <a:pPr>
-              <a:lnSpc>
-                <a:spcPct val="125000"/>
-              </a:lnSpc>
-            </a:pPr>
-            <a:endParaRPr lang="en-US" altLang="zh-CN" sz="1200"/>
-          </a:p>
-          <a:p>
-            <a:pPr>
-              <a:lnSpc>
-                <a:spcPct val="125000"/>
-              </a:lnSpc>
-            </a:pPr>
-            <a:endParaRPr lang="en-US" altLang="zh-CN" sz="1200"/>
-          </a:p>
-          <a:p>
-            <a:pPr>
-              <a:lnSpc>
-                <a:spcPct val="125000"/>
-              </a:lnSpc>
-            </a:pPr>
-            <a:endParaRPr lang="en-US" altLang="zh-CN" sz="1200"/>
-          </a:p>
-          <a:p>
-            <a:pPr>
-              <a:lnSpc>
-                <a:spcPct val="125000"/>
-              </a:lnSpc>
-            </a:pPr>
-            <a:endParaRPr lang="zh-CN" altLang="en-US" sz="1200">
+              <a:rPr lang="en-US" altLang="en-US" sz="1400" dirty="0" err="1"/>
+              <a:t>打开SDK</a:t>
+            </a:r>
+            <a:r>
+              <a:rPr lang="en-US" altLang="en-US" sz="1400" dirty="0"/>
+              <a:t> </a:t>
+            </a:r>
+            <a:r>
+              <a:rPr lang="en-US" altLang="en-US" sz="1400" dirty="0" err="1"/>
+              <a:t>Manger，会显示出本机当前安装的所有Android版本</a:t>
+            </a:r>
+            <a:endParaRPr lang="zh-CN" altLang="en-US" sz="1200" dirty="0">
               <a:latin typeface="微软雅黑" panose="020B0503020204020204" pitchFamily="34" charset="-122"/>
               <a:ea typeface="微软雅黑" panose="020B0503020204020204" pitchFamily="34" charset="-122"/>
               <a:sym typeface="宋体" panose="02010600030101010101" pitchFamily="2" charset="-122"/>
@@ -14794,62 +14072,32 @@
       </p:grpSp>
       <p:pic>
         <p:nvPicPr>
-          <p:cNvPr id="24582" name="图片 -2147482382">
+          <p:cNvPr id="3" name="图片 2">
             <a:extLst>
               <a:ext uri="{FF2B5EF4-FFF2-40B4-BE49-F238E27FC236}">
-                <a16:creationId xmlns:a16="http://schemas.microsoft.com/office/drawing/2014/main" id="{CC7FAB70-31F6-451D-BAF9-76FF398B2664}"/>
+                <a16:creationId xmlns:a16="http://schemas.microsoft.com/office/drawing/2014/main" id="{AF25579D-CD44-4094-86A7-5D7507100972}"/>
               </a:ext>
             </a:extLst>
           </p:cNvPr>
           <p:cNvPicPr>
-            <a:picLocks noChangeAspect="1" noChangeArrowheads="1"/>
+            <a:picLocks noChangeAspect="1"/>
           </p:cNvPicPr>
           <p:nvPr/>
         </p:nvPicPr>
         <p:blipFill>
-          <a:blip r:embed="rId4">
-            <a:extLst>
-              <a:ext uri="{28A0092B-C50C-407E-A947-70E740481C1C}">
-                <a14:useLocalDpi xmlns:a14="http://schemas.microsoft.com/office/drawing/2010/main" val="0"/>
-              </a:ext>
-            </a:extLst>
-          </a:blip>
-          <a:srcRect/>
+          <a:blip r:embed="rId4"/>
           <a:stretch>
             <a:fillRect/>
           </a:stretch>
         </p:blipFill>
-        <p:spPr bwMode="auto">
+        <p:spPr>
           <a:xfrm>
-            <a:off x="1014413" y="1017588"/>
-            <a:ext cx="6154737" cy="4019550"/>
+            <a:off x="971750" y="915635"/>
+            <a:ext cx="5669912" cy="4071062"/>
           </a:xfrm>
           <a:prstGeom prst="rect">
             <a:avLst/>
           </a:prstGeom>
-          <a:noFill/>
-          <a:ln>
-            <a:noFill/>
-          </a:ln>
-          <a:extLst>
-            <a:ext uri="{909E8E84-426E-40DD-AFC4-6F175D3DCCD1}">
-              <a14:hiddenFill xmlns:a14="http://schemas.microsoft.com/office/drawing/2010/main">
-                <a:solidFill>
-                  <a:srgbClr val="FFFFFF"/>
-                </a:solidFill>
-              </a14:hiddenFill>
-            </a:ext>
-            <a:ext uri="{91240B29-F687-4F45-9708-019B960494DF}">
-              <a14:hiddenLine xmlns:a14="http://schemas.microsoft.com/office/drawing/2010/main" w="9525">
-                <a:solidFill>
-                  <a:srgbClr val="000000"/>
-                </a:solidFill>
-                <a:miter lim="800000"/>
-                <a:headEnd/>
-                <a:tailEnd/>
-              </a14:hiddenLine>
-            </a:ext>
-          </a:extLst>
         </p:spPr>
       </p:pic>
     </p:spTree>
@@ -14917,13 +14165,6 @@
 </file>
 
 <file path=ppt/tags/tag16.xml><?xml version="1.0" encoding="utf-8"?>
-<p:tagLst xmlns:a="http://schemas.openxmlformats.org/drawingml/2006/main" xmlns:r="http://schemas.openxmlformats.org/officeDocument/2006/relationships" xmlns:p="http://schemas.openxmlformats.org/presentationml/2006/main">
-  <p:tag name="KSO_WM_TEMPLATE_CATEGORY" val="custom"/>
-  <p:tag name="KSO_WM_TEMPLATE_INDEX" val="160404"/>
-</p:tagLst>
-</file>
-
-<file path=ppt/tags/tag17.xml><?xml version="1.0" encoding="utf-8"?>
 <p:tagLst xmlns:a="http://schemas.openxmlformats.org/drawingml/2006/main" xmlns:r="http://schemas.openxmlformats.org/officeDocument/2006/relationships" xmlns:p="http://schemas.openxmlformats.org/presentationml/2006/main">
   <p:tag name="KSO_WM_TEMPLATE_CATEGORY" val="custom"/>
   <p:tag name="KSO_WM_TEMPLATE_INDEX" val="160404"/>

--- a/01.0 -- 配置环境 -- 第01章.pptx
+++ b/01.0 -- 配置环境 -- 第01章.pptx
@@ -10519,7 +10519,7 @@
         <p:spPr>
           <a:xfrm>
             <a:off x="254001" y="604838"/>
-            <a:ext cx="4029980" cy="1992533"/>
+            <a:ext cx="4029980" cy="2165657"/>
           </a:xfrm>
           <a:prstGeom prst="rect">
             <a:avLst/>
@@ -10746,15 +10746,43 @@
               <a:defRPr/>
             </a:pPr>
             <a:r>
-              <a:rPr lang="en-US" altLang="zh-CN" sz="1400" b="0" i="0" dirty="0">
-                <a:solidFill>
-                  <a:srgbClr val="202124"/>
-                </a:solidFill>
-                <a:effectLst/>
-                <a:latin typeface="Roboto"/>
-              </a:rPr>
-              <a:t> </a:t>
-            </a:r>
+              <a:rPr lang="en-US" altLang="zh-CN" sz="900" dirty="0"/>
+              <a:t>2020</a:t>
+            </a:r>
+            <a:r>
+              <a:rPr lang="zh-CN" altLang="en-US" sz="900" dirty="0"/>
+              <a:t>年</a:t>
+            </a:r>
+            <a:r>
+              <a:rPr lang="en-US" altLang="zh-CN" sz="900" dirty="0"/>
+              <a:t>09</a:t>
+            </a:r>
+            <a:r>
+              <a:rPr lang="zh-CN" altLang="en-US" sz="900" dirty="0"/>
+              <a:t>月</a:t>
+            </a:r>
+            <a:r>
+              <a:rPr lang="en-US" altLang="zh-CN" sz="900" dirty="0"/>
+              <a:t>09</a:t>
+            </a:r>
+            <a:r>
+              <a:rPr lang="zh-CN" altLang="en-US" sz="900" dirty="0"/>
+              <a:t>日， </a:t>
+            </a:r>
+            <a:r>
+              <a:rPr lang="en-US" altLang="zh-CN" sz="900" dirty="0"/>
+              <a:t>Android 11 </a:t>
+            </a:r>
+          </a:p>
+          <a:p>
+            <a:pPr indent="457200">
+              <a:lnSpc>
+                <a:spcPct val="125000"/>
+              </a:lnSpc>
+              <a:buFont typeface="Wingdings" panose="05000000000000000000" charset="0"/>
+              <a:buNone/>
+              <a:defRPr/>
+            </a:pPr>
             <a:r>
               <a:rPr lang="en-US" altLang="zh-CN" sz="1400" b="1" dirty="0">
                 <a:solidFill>
@@ -10768,7 +10796,7 @@
                   </a:outerShdw>
                 </a:effectLst>
               </a:rPr>
-              <a:t>2020</a:t>
+              <a:t>2021</a:t>
             </a:r>
             <a:r>
               <a:rPr lang="zh-CN" altLang="en-US" sz="1400" b="1" dirty="0">
@@ -10783,7 +10811,7 @@
                   </a:outerShdw>
                 </a:effectLst>
               </a:rPr>
-              <a:t>年第 </a:t>
+              <a:t>年</a:t>
             </a:r>
             <a:r>
               <a:rPr lang="en-US" altLang="zh-CN" sz="1400" b="1" dirty="0">
@@ -10798,7 +10826,7 @@
                   </a:outerShdw>
                 </a:effectLst>
               </a:rPr>
-              <a:t>3 </a:t>
+              <a:t>05</a:t>
             </a:r>
             <a:r>
               <a:rPr lang="zh-CN" altLang="en-US" sz="1400" b="1" dirty="0">
@@ -10813,7 +10841,7 @@
                   </a:outerShdw>
                 </a:effectLst>
               </a:rPr>
-              <a:t>季度 </a:t>
+              <a:t>月</a:t>
             </a:r>
             <a:r>
               <a:rPr lang="en-US" altLang="zh-CN" sz="1400" b="1" dirty="0">
@@ -10828,7 +10856,37 @@
                   </a:outerShdw>
                 </a:effectLst>
               </a:rPr>
-              <a:t>Android 11 </a:t>
+              <a:t>19</a:t>
+            </a:r>
+            <a:r>
+              <a:rPr lang="zh-CN" altLang="en-US" sz="1400" b="1" dirty="0">
+                <a:solidFill>
+                  <a:srgbClr val="FF0000"/>
+                </a:solidFill>
+                <a:effectLst>
+                  <a:outerShdw blurRad="50800" dist="38100" dir="13500000" algn="br" rotWithShape="0">
+                    <a:prstClr val="black">
+                      <a:alpha val="40000"/>
+                    </a:prstClr>
+                  </a:outerShdw>
+                </a:effectLst>
+              </a:rPr>
+              <a:t>日，</a:t>
+            </a:r>
+            <a:r>
+              <a:rPr lang="en-US" altLang="zh-CN" sz="1400" b="1" dirty="0">
+                <a:solidFill>
+                  <a:srgbClr val="FF0000"/>
+                </a:solidFill>
+                <a:effectLst>
+                  <a:outerShdw blurRad="50800" dist="38100" dir="13500000" algn="br" rotWithShape="0">
+                    <a:prstClr val="black">
+                      <a:alpha val="40000"/>
+                    </a:prstClr>
+                  </a:outerShdw>
+                </a:effectLst>
+              </a:rPr>
+              <a:t>Android 12</a:t>
             </a:r>
             <a:endParaRPr lang="zh-CN" altLang="en-US" sz="1400" b="1" dirty="0">
               <a:solidFill>
@@ -11465,10 +11523,57 @@
       </p:pic>
       <p:pic>
         <p:nvPicPr>
-          <p:cNvPr id="2" name="图片 1">
+          <p:cNvPr id="1026" name="Picture 2">
             <a:extLst>
               <a:ext uri="{FF2B5EF4-FFF2-40B4-BE49-F238E27FC236}">
-                <a16:creationId xmlns:a16="http://schemas.microsoft.com/office/drawing/2014/main" id="{EB0BBA7D-26CE-4C0B-A504-FB4C491C5D4B}"/>
+                <a16:creationId xmlns:a16="http://schemas.microsoft.com/office/drawing/2014/main" id="{52FEF84A-FA6B-493C-9BCE-AD34EC2FC066}"/>
+              </a:ext>
+            </a:extLst>
+          </p:cNvPr>
+          <p:cNvPicPr>
+            <a:picLocks noChangeAspect="1" noChangeArrowheads="1"/>
+          </p:cNvPicPr>
+          <p:nvPr/>
+        </p:nvPicPr>
+        <p:blipFill>
+          <a:blip r:embed="rId11">
+            <a:extLst>
+              <a:ext uri="{28A0092B-C50C-407E-A947-70E740481C1C}">
+                <a14:useLocalDpi xmlns:a14="http://schemas.microsoft.com/office/drawing/2010/main" val="0"/>
+              </a:ext>
+            </a:extLst>
+          </a:blip>
+          <a:srcRect/>
+          <a:stretch>
+            <a:fillRect/>
+          </a:stretch>
+        </p:blipFill>
+        <p:spPr bwMode="auto">
+          <a:xfrm>
+            <a:off x="470614" y="3107045"/>
+            <a:ext cx="1555742" cy="1560559"/>
+          </a:xfrm>
+          <a:prstGeom prst="rect">
+            <a:avLst/>
+          </a:prstGeom>
+          <a:noFill/>
+          <a:extLst>
+            <a:ext uri="{909E8E84-426E-40DD-AFC4-6F175D3DCCD1}">
+              <a14:hiddenFill xmlns:a14="http://schemas.microsoft.com/office/drawing/2010/main">
+                <a:solidFill>
+                  <a:srgbClr val="FFFFFF"/>
+                </a:solidFill>
+              </a14:hiddenFill>
+            </a:ext>
+          </a:extLst>
+        </p:spPr>
+      </p:pic>
+      <p:pic>
+        <p:nvPicPr>
+          <p:cNvPr id="3" name="图片 2">
+            <a:extLst>
+              <a:ext uri="{FF2B5EF4-FFF2-40B4-BE49-F238E27FC236}">
+                <a16:creationId xmlns:a16="http://schemas.microsoft.com/office/drawing/2014/main" id="{2DD904F4-F8F9-46E4-A580-9D0AF2A1EC06}"/>
               </a:ext>
             </a:extLst>
           </p:cNvPr>
@@ -11478,15 +11583,15 @@
           <p:nvPr/>
         </p:nvPicPr>
         <p:blipFill>
-          <a:blip r:embed="rId11"/>
+          <a:blip r:embed="rId12"/>
           <a:stretch>
             <a:fillRect/>
           </a:stretch>
         </p:blipFill>
         <p:spPr>
           <a:xfrm>
-            <a:off x="772963" y="2710061"/>
-            <a:ext cx="2720795" cy="1789774"/>
+            <a:off x="2362892" y="2875156"/>
+            <a:ext cx="2001501" cy="2000056"/>
           </a:xfrm>
           <a:prstGeom prst="rect">
             <a:avLst/>
@@ -11623,7 +11728,7 @@
                 <a:latin typeface="+mn-lt"/>
                 <a:sym typeface="+mn-ea"/>
               </a:rPr>
-              <a:t>Android Studio 4 </a:t>
+              <a:t>Android Studio </a:t>
             </a:r>
             <a:r>
               <a:rPr lang="zh-CN" altLang="en-US" sz="1400" b="1" noProof="1">
@@ -12152,7 +12257,7 @@
         <p:spPr bwMode="auto">
           <a:xfrm>
             <a:off x="741631" y="987640"/>
-            <a:ext cx="7660738" cy="3681777"/>
+            <a:ext cx="7660738" cy="3951082"/>
           </a:xfrm>
           <a:prstGeom prst="rect">
             <a:avLst/>
@@ -12428,6 +12533,62 @@
               </a:lnSpc>
               <a:buFont typeface="Wingdings" panose="05000000000000000000" charset="0"/>
               <a:buChar char=""/>
+              <a:defRPr/>
+            </a:pPr>
+            <a:r>
+              <a:rPr lang="en-US" altLang="en-US" sz="1400" noProof="1">
+                <a:latin typeface="+mn-lt"/>
+                <a:sym typeface="+mn-ea"/>
+              </a:rPr>
+              <a:t>2020</a:t>
+            </a:r>
+            <a:r>
+              <a:rPr lang="zh-CN" altLang="en-US" sz="1400" noProof="1">
+                <a:latin typeface="+mn-lt"/>
+                <a:sym typeface="+mn-ea"/>
+              </a:rPr>
+              <a:t>年</a:t>
+            </a:r>
+            <a:r>
+              <a:rPr lang="en-US" altLang="zh-CN" sz="1400" noProof="1">
+                <a:latin typeface="+mn-lt"/>
+                <a:sym typeface="+mn-ea"/>
+              </a:rPr>
+              <a:t>05</a:t>
+            </a:r>
+            <a:r>
+              <a:rPr lang="zh-CN" altLang="en-US" sz="1400" noProof="1">
+                <a:latin typeface="+mn-lt"/>
+                <a:sym typeface="+mn-ea"/>
+              </a:rPr>
+              <a:t>月，</a:t>
+            </a:r>
+            <a:r>
+              <a:rPr lang="en-US" altLang="en-US" sz="1400" noProof="1">
+                <a:latin typeface="+mn-lt"/>
+                <a:sym typeface="+mn-ea"/>
+              </a:rPr>
+              <a:t>Android Studio </a:t>
+            </a:r>
+            <a:r>
+              <a:rPr lang="en-US" altLang="zh-CN" sz="1400" dirty="0">
+                <a:latin typeface="+mn-lt"/>
+                <a:sym typeface="+mn-ea"/>
+              </a:rPr>
+              <a:t>4.0</a:t>
+            </a:r>
+            <a:endParaRPr lang="en-US" altLang="en-US" sz="1400" noProof="1">
+              <a:latin typeface="+mn-lt"/>
+              <a:sym typeface="+mn-ea"/>
+            </a:endParaRPr>
+          </a:p>
+          <a:p>
+            <a:pPr marL="171450" indent="-171450" fontAlgn="auto">
+              <a:lnSpc>
+                <a:spcPct val="125000"/>
+              </a:lnSpc>
+              <a:buFont typeface="Wingdings" panose="05000000000000000000" charset="0"/>
+              <a:buChar char="u"/>
               <a:defRPr/>
             </a:pPr>
             <a:r>
@@ -12446,112 +12607,25 @@
                 <a:latin typeface="+mn-lt"/>
                 <a:sym typeface="+mn-ea"/>
               </a:rPr>
-              <a:t>2020</a:t>
-            </a:r>
-            <a:r>
-              <a:rPr lang="zh-CN" altLang="en-US" sz="1400" b="1" noProof="1">
-                <a:gradFill>
-                  <a:gsLst>
-                    <a:gs pos="0">
-                      <a:srgbClr val="14CD68"/>
-                    </a:gs>
-                    <a:gs pos="100000">
-                      <a:srgbClr val="035C7D"/>
-                    </a:gs>
-                  </a:gsLst>
-                  <a:lin scaled="0"/>
-                </a:gradFill>
-                <a:latin typeface="+mn-lt"/>
-                <a:sym typeface="+mn-ea"/>
-              </a:rPr>
-              <a:t>年</a:t>
-            </a:r>
-            <a:r>
-              <a:rPr lang="en-US" altLang="zh-CN" sz="1400" b="1" noProof="1">
-                <a:gradFill>
-                  <a:gsLst>
-                    <a:gs pos="0">
-                      <a:srgbClr val="14CD68"/>
-                    </a:gs>
-                    <a:gs pos="100000">
-                      <a:srgbClr val="035C7D"/>
-                    </a:gs>
-                  </a:gsLst>
-                  <a:lin scaled="0"/>
-                </a:gradFill>
-                <a:latin typeface="+mn-lt"/>
-                <a:sym typeface="+mn-ea"/>
-              </a:rPr>
-              <a:t>05</a:t>
-            </a:r>
-            <a:r>
-              <a:rPr lang="zh-CN" altLang="en-US" sz="1400" b="1" noProof="1">
-                <a:gradFill>
-                  <a:gsLst>
-                    <a:gs pos="0">
-                      <a:srgbClr val="14CD68"/>
-                    </a:gs>
-                    <a:gs pos="100000">
-                      <a:srgbClr val="035C7D"/>
-                    </a:gs>
-                  </a:gsLst>
-                  <a:lin scaled="0"/>
-                </a:gradFill>
-                <a:latin typeface="+mn-lt"/>
-                <a:sym typeface="+mn-ea"/>
-              </a:rPr>
-              <a:t>月，</a:t>
-            </a:r>
-            <a:r>
-              <a:rPr lang="en-US" altLang="en-US" sz="1400" b="1" noProof="1">
-                <a:gradFill>
-                  <a:gsLst>
-                    <a:gs pos="0">
-                      <a:srgbClr val="14CD68"/>
-                    </a:gs>
-                    <a:gs pos="100000">
-                      <a:srgbClr val="035C7D"/>
-                    </a:gs>
-                  </a:gsLst>
-                  <a:lin scaled="0"/>
-                </a:gradFill>
-                <a:latin typeface="+mn-lt"/>
-                <a:sym typeface="+mn-ea"/>
-              </a:rPr>
-              <a:t>Android Studio </a:t>
-            </a:r>
-            <a:r>
-              <a:rPr lang="en-US" altLang="zh-CN" sz="1400" b="1" dirty="0">
-                <a:gradFill>
-                  <a:gsLst>
-                    <a:gs pos="0">
-                      <a:srgbClr val="14CD68"/>
-                    </a:gs>
-                    <a:gs pos="100000">
-                      <a:srgbClr val="035C7D"/>
-                    </a:gs>
-                  </a:gsLst>
-                  <a:lin scaled="0"/>
-                </a:gradFill>
-                <a:latin typeface="+mn-lt"/>
-                <a:sym typeface="+mn-ea"/>
-              </a:rPr>
-              <a:t>4.0</a:t>
-            </a:r>
-            <a:endParaRPr lang="en-US" altLang="en-US" sz="1400" noProof="1">
-              <a:latin typeface="+mn-lt"/>
-              <a:sym typeface="+mn-ea"/>
-            </a:endParaRPr>
-          </a:p>
-          <a:p>
-            <a:pPr marL="171450" indent="-171450" fontAlgn="auto">
+              <a:t>Android Studio Arctic Fox | 2020.3.1</a:t>
+            </a:r>
+          </a:p>
+          <a:p>
+            <a:pPr fontAlgn="auto">
               <a:lnSpc>
                 <a:spcPct val="125000"/>
               </a:lnSpc>
               <a:buFont typeface="Wingdings" panose="05000000000000000000" charset="0"/>
-              <a:buChar char="u"/>
+              <a:buNone/>
               <a:defRPr/>
             </a:pPr>
+            <a:r>
+              <a:rPr lang="en-US" altLang="en-US" sz="1400" noProof="1">
+                <a:sym typeface="+mn-ea"/>
+                <a:hlinkClick r:id="rId4"/>
+              </a:rPr>
+              <a:t>https://developer.android.google.cn/studio/releases/index.html</a:t>
+            </a:r>
             <a:endParaRPr lang="en-US" altLang="en-US" sz="1400" noProof="1">
               <a:sym typeface="+mn-ea"/>
             </a:endParaRPr>
@@ -12805,14 +12879,14 @@
           <p:nvPr/>
         </p:nvPicPr>
         <p:blipFill>
-          <a:blip r:embed="rId4"/>
+          <a:blip r:embed="rId5"/>
           <a:stretch>
             <a:fillRect/>
           </a:stretch>
         </p:blipFill>
         <p:spPr>
           <a:xfrm>
-            <a:off x="5508065" y="2828528"/>
+            <a:off x="6084105" y="1419670"/>
             <a:ext cx="2540959" cy="1008070"/>
           </a:xfrm>
           <a:prstGeom prst="rect">
@@ -12820,6 +12894,133 @@
           </a:prstGeom>
         </p:spPr>
       </p:pic>
+      <p:pic>
+        <p:nvPicPr>
+          <p:cNvPr id="2" name="图片 1">
+            <a:extLst>
+              <a:ext uri="{FF2B5EF4-FFF2-40B4-BE49-F238E27FC236}">
+                <a16:creationId xmlns:a16="http://schemas.microsoft.com/office/drawing/2014/main" id="{373A1158-C089-41F2-A6F2-FFBBB8E1C6D6}"/>
+              </a:ext>
+            </a:extLst>
+          </p:cNvPr>
+          <p:cNvPicPr>
+            <a:picLocks noChangeAspect="1"/>
+          </p:cNvPicPr>
+          <p:nvPr/>
+        </p:nvPicPr>
+        <p:blipFill>
+          <a:blip r:embed="rId6"/>
+          <a:stretch>
+            <a:fillRect/>
+          </a:stretch>
+        </p:blipFill>
+        <p:spPr>
+          <a:xfrm>
+            <a:off x="5950830" y="2715761"/>
+            <a:ext cx="2674700" cy="1671688"/>
+          </a:xfrm>
+          <a:prstGeom prst="rect">
+            <a:avLst/>
+          </a:prstGeom>
+        </p:spPr>
+      </p:pic>
+      <p:sp>
+        <p:nvSpPr>
+          <p:cNvPr id="10" name="文本框 9">
+            <a:extLst>
+              <a:ext uri="{FF2B5EF4-FFF2-40B4-BE49-F238E27FC236}">
+                <a16:creationId xmlns:a16="http://schemas.microsoft.com/office/drawing/2014/main" id="{25156846-6B71-4087-9E8B-0FCB1088457C}"/>
+              </a:ext>
+            </a:extLst>
+          </p:cNvPr>
+          <p:cNvSpPr txBox="1"/>
+          <p:nvPr/>
+        </p:nvSpPr>
+        <p:spPr>
+          <a:xfrm>
+            <a:off x="5950830" y="4387449"/>
+            <a:ext cx="2674234" cy="584775"/>
+          </a:xfrm>
+          <a:prstGeom prst="rect">
+            <a:avLst/>
+          </a:prstGeom>
+          <a:noFill/>
+        </p:spPr>
+        <p:txBody>
+          <a:bodyPr wrap="square">
+            <a:spAutoFit/>
+          </a:bodyPr>
+          <a:lstStyle/>
+          <a:p>
+            <a:r>
+              <a:rPr lang="zh-CN" altLang="en-US" sz="800" dirty="0"/>
+              <a:t>在新的方案下，每个主要版本都会获得一个代号，根据动物名称从 </a:t>
+            </a:r>
+            <a:r>
+              <a:rPr lang="en-US" altLang="zh-CN" sz="800" dirty="0"/>
+              <a:t>A </a:t>
+            </a:r>
+            <a:r>
+              <a:rPr lang="zh-CN" altLang="en-US" sz="800" dirty="0"/>
+              <a:t>到 </a:t>
+            </a:r>
+            <a:r>
+              <a:rPr lang="en-US" altLang="zh-CN" sz="800" dirty="0"/>
+              <a:t>Z </a:t>
+            </a:r>
+            <a:r>
+              <a:rPr lang="zh-CN" altLang="en-US" sz="800" dirty="0"/>
+              <a:t>递增（与 </a:t>
+            </a:r>
+            <a:r>
+              <a:rPr lang="en-US" altLang="zh-CN" sz="800" dirty="0"/>
+              <a:t>Ubuntu </a:t>
+            </a:r>
+            <a:r>
+              <a:rPr lang="zh-CN" altLang="en-US" sz="800" dirty="0"/>
+              <a:t>的做法类似）。</a:t>
+            </a:r>
+            <a:r>
+              <a:rPr lang="en-US" altLang="zh-CN" sz="800" dirty="0"/>
+              <a:t>Android Studio 2020.3.1 </a:t>
+            </a:r>
+            <a:r>
+              <a:rPr lang="zh-CN" altLang="en-US" sz="800" dirty="0"/>
+              <a:t>的代号为 </a:t>
+            </a:r>
+            <a:r>
+              <a:rPr lang="en-US" altLang="zh-CN" sz="800" dirty="0"/>
+              <a:t>Arctic Fox</a:t>
+            </a:r>
+            <a:r>
+              <a:rPr lang="zh-CN" altLang="en-US" sz="800" dirty="0"/>
+              <a:t>，下一个主要版本的代号为 </a:t>
+            </a:r>
+            <a:r>
+              <a:rPr lang="en-US" altLang="zh-CN" sz="800" dirty="0"/>
+              <a:t>Bumblebee</a:t>
+            </a:r>
+            <a:r>
+              <a:rPr lang="zh-CN" altLang="en-US" sz="800" dirty="0"/>
+              <a:t>（</a:t>
+            </a:r>
+            <a:r>
+              <a:rPr lang="zh-CN" altLang="en-US" sz="800" b="0" i="0" dirty="0">
+                <a:solidFill>
+                  <a:srgbClr val="333333"/>
+                </a:solidFill>
+                <a:effectLst/>
+                <a:latin typeface="Arial" panose="020B0604020202020204" pitchFamily="34" charset="0"/>
+              </a:rPr>
+              <a:t>大黄蜂</a:t>
+            </a:r>
+            <a:r>
+              <a:rPr lang="zh-CN" altLang="en-US" sz="800" dirty="0"/>
+              <a:t>）。</a:t>
+            </a:r>
+          </a:p>
+        </p:txBody>
+      </p:sp>
     </p:spTree>
     <p:custDataLst>
       <p:tags r:id="rId1"/>
